--- a/Exercícios.pptx
+++ b/Exercícios.pptx
@@ -7,6 +7,8 @@
   <p:sldIdLst>
     <p:sldId id="256" r:id="rId2"/>
     <p:sldId id="257" r:id="rId3"/>
+    <p:sldId id="377" r:id="rId4"/>
+    <p:sldId id="378" r:id="rId5"/>
   </p:sldIdLst>
   <p:sldSz cx="12192000" cy="6858000"/>
   <p:notesSz cx="6858000" cy="9144000"/>
@@ -105,6 +107,11 @@
       </a:defRPr>
     </a:lvl9pPr>
   </p:defaultTextStyle>
+  <p:extLst>
+    <p:ext uri="{EFAFB233-063F-42B5-8137-9DF3F51BA10A}">
+      <p15:sldGuideLst xmlns:p15="http://schemas.microsoft.com/office/powerpoint/2012/main"/>
+    </p:ext>
+  </p:extLst>
 </p:presentation>
 </file>
 
@@ -255,7 +262,7 @@
           <a:p>
             <a:fld id="{91D142C2-598A-4E38-B348-917BADE23625}" type="datetimeFigureOut">
               <a:rPr lang="pt-BR" smtClean="0"/>
-              <a:t>27/05/2025</a:t>
+              <a:t>10/06/2025</a:t>
             </a:fld>
             <a:endParaRPr lang="pt-BR"/>
           </a:p>
@@ -453,7 +460,7 @@
           <a:p>
             <a:fld id="{91D142C2-598A-4E38-B348-917BADE23625}" type="datetimeFigureOut">
               <a:rPr lang="pt-BR" smtClean="0"/>
-              <a:t>27/05/2025</a:t>
+              <a:t>10/06/2025</a:t>
             </a:fld>
             <a:endParaRPr lang="pt-BR"/>
           </a:p>
@@ -661,7 +668,7 @@
           <a:p>
             <a:fld id="{91D142C2-598A-4E38-B348-917BADE23625}" type="datetimeFigureOut">
               <a:rPr lang="pt-BR" smtClean="0"/>
-              <a:t>27/05/2025</a:t>
+              <a:t>10/06/2025</a:t>
             </a:fld>
             <a:endParaRPr lang="pt-BR"/>
           </a:p>
@@ -859,7 +866,7 @@
           <a:p>
             <a:fld id="{91D142C2-598A-4E38-B348-917BADE23625}" type="datetimeFigureOut">
               <a:rPr lang="pt-BR" smtClean="0"/>
-              <a:t>27/05/2025</a:t>
+              <a:t>10/06/2025</a:t>
             </a:fld>
             <a:endParaRPr lang="pt-BR"/>
           </a:p>
@@ -1134,7 +1141,7 @@
           <a:p>
             <a:fld id="{91D142C2-598A-4E38-B348-917BADE23625}" type="datetimeFigureOut">
               <a:rPr lang="pt-BR" smtClean="0"/>
-              <a:t>27/05/2025</a:t>
+              <a:t>10/06/2025</a:t>
             </a:fld>
             <a:endParaRPr lang="pt-BR"/>
           </a:p>
@@ -1399,7 +1406,7 @@
           <a:p>
             <a:fld id="{91D142C2-598A-4E38-B348-917BADE23625}" type="datetimeFigureOut">
               <a:rPr lang="pt-BR" smtClean="0"/>
-              <a:t>27/05/2025</a:t>
+              <a:t>10/06/2025</a:t>
             </a:fld>
             <a:endParaRPr lang="pt-BR"/>
           </a:p>
@@ -1811,7 +1818,7 @@
           <a:p>
             <a:fld id="{91D142C2-598A-4E38-B348-917BADE23625}" type="datetimeFigureOut">
               <a:rPr lang="pt-BR" smtClean="0"/>
-              <a:t>27/05/2025</a:t>
+              <a:t>10/06/2025</a:t>
             </a:fld>
             <a:endParaRPr lang="pt-BR"/>
           </a:p>
@@ -1952,7 +1959,7 @@
           <a:p>
             <a:fld id="{91D142C2-598A-4E38-B348-917BADE23625}" type="datetimeFigureOut">
               <a:rPr lang="pt-BR" smtClean="0"/>
-              <a:t>27/05/2025</a:t>
+              <a:t>10/06/2025</a:t>
             </a:fld>
             <a:endParaRPr lang="pt-BR"/>
           </a:p>
@@ -2065,7 +2072,7 @@
           <a:p>
             <a:fld id="{91D142C2-598A-4E38-B348-917BADE23625}" type="datetimeFigureOut">
               <a:rPr lang="pt-BR" smtClean="0"/>
-              <a:t>27/05/2025</a:t>
+              <a:t>10/06/2025</a:t>
             </a:fld>
             <a:endParaRPr lang="pt-BR"/>
           </a:p>
@@ -2376,7 +2383,7 @@
           <a:p>
             <a:fld id="{91D142C2-598A-4E38-B348-917BADE23625}" type="datetimeFigureOut">
               <a:rPr lang="pt-BR" smtClean="0"/>
-              <a:t>27/05/2025</a:t>
+              <a:t>10/06/2025</a:t>
             </a:fld>
             <a:endParaRPr lang="pt-BR"/>
           </a:p>
@@ -2664,7 +2671,7 @@
           <a:p>
             <a:fld id="{91D142C2-598A-4E38-B348-917BADE23625}" type="datetimeFigureOut">
               <a:rPr lang="pt-BR" smtClean="0"/>
-              <a:t>27/05/2025</a:t>
+              <a:t>10/06/2025</a:t>
             </a:fld>
             <a:endParaRPr lang="pt-BR"/>
           </a:p>
@@ -2905,7 +2912,7 @@
           <a:p>
             <a:fld id="{91D142C2-598A-4E38-B348-917BADE23625}" type="datetimeFigureOut">
               <a:rPr lang="pt-BR" smtClean="0"/>
-              <a:t>27/05/2025</a:t>
+              <a:t>10/06/2025</a:t>
             </a:fld>
             <a:endParaRPr lang="pt-BR"/>
           </a:p>
@@ -3350,8 +3357,8 @@
           </a:p>
         </p:txBody>
       </p:sp>
-      <mc:AlternateContent xmlns:mc="http://schemas.openxmlformats.org/markup-compatibility/2006">
-        <mc:Choice xmlns:a14="http://schemas.microsoft.com/office/drawing/2010/main" Requires="a14">
+      <mc:AlternateContent xmlns:mc="http://schemas.openxmlformats.org/markup-compatibility/2006" xmlns:a14="http://schemas.microsoft.com/office/drawing/2010/main">
+        <mc:Choice Requires="a14">
           <p:sp>
             <p:nvSpPr>
               <p:cNvPr id="5" name="Espaço Reservado para Conteúdo 4">
@@ -3591,7 +3598,7 @@
             </p:txBody>
           </p:sp>
         </mc:Choice>
-        <mc:Fallback>
+        <mc:Fallback xmlns="">
           <p:sp>
             <p:nvSpPr>
               <p:cNvPr id="5" name="Espaço Reservado para Conteúdo 4">
@@ -3843,8 +3850,8 @@
           </a:prstGeom>
         </p:spPr>
       </p:pic>
-      <mc:AlternateContent xmlns:mc="http://schemas.openxmlformats.org/markup-compatibility/2006">
-        <mc:Choice xmlns:a14="http://schemas.microsoft.com/office/drawing/2010/main" Requires="a14">
+      <mc:AlternateContent xmlns:mc="http://schemas.openxmlformats.org/markup-compatibility/2006" xmlns:a14="http://schemas.microsoft.com/office/drawing/2010/main">
+        <mc:Choice Requires="a14">
           <p:sp>
             <p:nvSpPr>
               <p:cNvPr id="5" name="Espaço Reservado para Conteúdo 4">
@@ -4099,7 +4106,7 @@
             </p:txBody>
           </p:sp>
         </mc:Choice>
-        <mc:Fallback>
+        <mc:Fallback xmlns="">
           <p:sp>
             <p:nvSpPr>
               <p:cNvPr id="5" name="Espaço Reservado para Conteúdo 4">
@@ -4408,6 +4415,837 @@
     <p:extLst>
       <p:ext uri="{BB962C8B-B14F-4D97-AF65-F5344CB8AC3E}">
         <p14:creationId xmlns:p14="http://schemas.microsoft.com/office/powerpoint/2010/main" val="609595265"/>
+      </p:ext>
+    </p:extLst>
+  </p:cSld>
+  <p:clrMapOvr>
+    <a:masterClrMapping/>
+  </p:clrMapOvr>
+</p:sld>
+</file>
+
+<file path=ppt/slides/slide3.xml><?xml version="1.0" encoding="utf-8"?>
+<p:sld xmlns:a="http://schemas.openxmlformats.org/drawingml/2006/main" xmlns:r="http://schemas.openxmlformats.org/officeDocument/2006/relationships" xmlns:p="http://schemas.openxmlformats.org/presentationml/2006/main">
+  <p:cSld>
+    <p:spTree>
+      <p:nvGrpSpPr>
+        <p:cNvPr id="1" name=""/>
+        <p:cNvGrpSpPr/>
+        <p:nvPr/>
+      </p:nvGrpSpPr>
+      <p:grpSpPr>
+        <a:xfrm>
+          <a:off x="0" y="0"/>
+          <a:ext cx="0" cy="0"/>
+          <a:chOff x="0" y="0"/>
+          <a:chExt cx="0" cy="0"/>
+        </a:xfrm>
+      </p:grpSpPr>
+      <mc:AlternateContent xmlns:mc="http://schemas.openxmlformats.org/markup-compatibility/2006">
+        <mc:Choice xmlns:a14="http://schemas.microsoft.com/office/drawing/2010/main" Requires="a14">
+          <p:sp>
+            <p:nvSpPr>
+              <p:cNvPr id="5" name="Espaço Reservado para Conteúdo 4">
+                <a:extLst>
+                  <a:ext uri="{FF2B5EF4-FFF2-40B4-BE49-F238E27FC236}">
+                    <a16:creationId xmlns:a16="http://schemas.microsoft.com/office/drawing/2014/main" id="{3F7611FA-6224-4EC7-8ACF-FBCA3273285B}"/>
+                  </a:ext>
+                </a:extLst>
+              </p:cNvPr>
+              <p:cNvSpPr>
+                <a:spLocks noGrp="1"/>
+              </p:cNvSpPr>
+              <p:nvPr>
+                <p:ph idx="1"/>
+              </p:nvPr>
+            </p:nvSpPr>
+            <p:spPr>
+              <a:xfrm>
+                <a:off x="838199" y="1825625"/>
+                <a:ext cx="11108267" cy="4947708"/>
+              </a:xfrm>
+            </p:spPr>
+            <p:txBody>
+              <a:bodyPr>
+                <a:normAutofit fontScale="92500"/>
+              </a:bodyPr>
+              <a:lstStyle/>
+              <a:p>
+                <a:r>
+                  <a:rPr lang="pt-BR" dirty="0"/>
+                  <a:t>Faça um App para calcular o tempo estimado de viagem com base na distância e na velocidade média</a:t>
+                </a:r>
+              </a:p>
+              <a:p>
+                <a:r>
+                  <a:rPr lang="pt-BR" dirty="0"/>
+                  <a:t>Crie um componente chamado </a:t>
+                </a:r>
+                <a:r>
+                  <a:rPr lang="pt-BR" dirty="0">
+                    <a:solidFill>
+                      <a:srgbClr val="FF0000"/>
+                    </a:solidFill>
+                  </a:rPr>
+                  <a:t>Exercicio10 </a:t>
+                </a:r>
+                <a:r>
+                  <a:rPr lang="pt-BR" dirty="0"/>
+                  <a:t>no arquivo </a:t>
+                </a:r>
+                <a:r>
+                  <a:rPr lang="pt-BR" dirty="0">
+                    <a:highlight>
+                      <a:srgbClr val="FFFF00"/>
+                    </a:highlight>
+                  </a:rPr>
+                  <a:t>Exercicio10.jsx</a:t>
+                </a:r>
+                <a:r>
+                  <a:rPr lang="pt-BR" dirty="0"/>
+                  <a:t>. </a:t>
+                </a:r>
+              </a:p>
+              <a:p>
+                <a:pPr lvl="1"/>
+                <a:r>
+                  <a:rPr lang="pt-BR" dirty="0"/>
+                  <a:t>O componente irá receber como parâmetros: a </a:t>
+                </a:r>
+                <a:r>
+                  <a:rPr lang="pt-BR" dirty="0">
+                    <a:solidFill>
+                      <a:srgbClr val="FF0000"/>
+                    </a:solidFill>
+                  </a:rPr>
+                  <a:t>distancia</a:t>
+                </a:r>
+                <a:r>
+                  <a:rPr lang="pt-BR" dirty="0"/>
+                  <a:t>, e a </a:t>
+                </a:r>
+                <a:r>
+                  <a:rPr lang="pt-BR" dirty="0">
+                    <a:solidFill>
+                      <a:srgbClr val="FF0000"/>
+                    </a:solidFill>
+                  </a:rPr>
+                  <a:t>velocidade</a:t>
+                </a:r>
+                <a:r>
+                  <a:rPr lang="pt-BR" dirty="0"/>
+                  <a:t>.</a:t>
+                </a:r>
+              </a:p>
+              <a:p>
+                <a:pPr lvl="1"/>
+                <a:endParaRPr lang="pt-BR" dirty="0"/>
+              </a:p>
+              <a:p>
+                <a:pPr lvl="1"/>
+                <a:endParaRPr lang="pt-BR" dirty="0"/>
+              </a:p>
+              <a:p>
+                <a:pPr lvl="1"/>
+                <a:endParaRPr lang="pt-BR" dirty="0"/>
+              </a:p>
+              <a:p>
+                <a:pPr lvl="1"/>
+                <a:endParaRPr lang="pt-BR" dirty="0"/>
+              </a:p>
+              <a:p>
+                <a:pPr marL="457200" lvl="1" indent="0">
+                  <a:buNone/>
+                </a:pPr>
+                <a:r>
+                  <a:rPr lang="pt-BR" dirty="0"/>
+                  <a:t>O componente deverá exibir o tempo estimado de viagem em horas utilizando a formula </a:t>
+                </a:r>
+                <a14:m>
+                  <m:oMath xmlns:m="http://schemas.openxmlformats.org/officeDocument/2006/math">
+                    <m:r>
+                      <a:rPr lang="pt-BR" i="1">
+                        <a:solidFill>
+                          <a:srgbClr val="FF0000"/>
+                        </a:solidFill>
+                        <a:latin typeface="Cambria Math" panose="02040503050406030204" pitchFamily="18" charset="0"/>
+                      </a:rPr>
+                      <m:t>𝑡𝑒𝑚𝑝𝑜</m:t>
+                    </m:r>
+                    <m:r>
+                      <a:rPr lang="pt-BR" i="1">
+                        <a:solidFill>
+                          <a:srgbClr val="FF0000"/>
+                        </a:solidFill>
+                        <a:latin typeface="Cambria Math" panose="02040503050406030204" pitchFamily="18" charset="0"/>
+                      </a:rPr>
+                      <m:t> =</m:t>
+                    </m:r>
+                    <m:f>
+                      <m:fPr>
+                        <m:ctrlPr>
+                          <a:rPr lang="pt-BR" i="1">
+                            <a:solidFill>
+                              <a:srgbClr val="FF0000"/>
+                            </a:solidFill>
+                            <a:latin typeface="Cambria Math" panose="02040503050406030204" pitchFamily="18" charset="0"/>
+                          </a:rPr>
+                        </m:ctrlPr>
+                      </m:fPr>
+                      <m:num>
+                        <m:r>
+                          <a:rPr lang="pt-BR" i="1">
+                            <a:solidFill>
+                              <a:srgbClr val="FF0000"/>
+                            </a:solidFill>
+                            <a:latin typeface="Cambria Math" panose="02040503050406030204" pitchFamily="18" charset="0"/>
+                          </a:rPr>
+                          <m:t>𝑑𝑖𝑠𝑡𝑎𝑛𝑐𝑖𝑎</m:t>
+                        </m:r>
+                      </m:num>
+                      <m:den>
+                        <m:r>
+                          <a:rPr lang="pt-BR" i="1">
+                            <a:solidFill>
+                              <a:srgbClr val="FF0000"/>
+                            </a:solidFill>
+                            <a:latin typeface="Cambria Math" panose="02040503050406030204" pitchFamily="18" charset="0"/>
+                          </a:rPr>
+                          <m:t>𝑣𝑒𝑙𝑜𝑐𝑖𝑑𝑎𝑑𝑒</m:t>
+                        </m:r>
+                      </m:den>
+                    </m:f>
+                    <m:r>
+                      <m:rPr>
+                        <m:nor/>
+                      </m:rPr>
+                      <a:rPr lang="pt-BR" dirty="0">
+                        <a:solidFill>
+                          <a:srgbClr val="FF0000"/>
+                        </a:solidFill>
+                      </a:rPr>
+                      <m:t> </m:t>
+                    </m:r>
+                  </m:oMath>
+                </a14:m>
+                <a:endParaRPr lang="pt-BR" dirty="0">
+                  <a:solidFill>
+                    <a:srgbClr val="FF0000"/>
+                  </a:solidFill>
+                </a:endParaRPr>
+              </a:p>
+              <a:p>
+                <a:pPr marL="457200" lvl="1" indent="0">
+                  <a:buNone/>
+                </a:pPr>
+                <a:endParaRPr lang="pt-BR" dirty="0"/>
+              </a:p>
+              <a:p>
+                <a:r>
+                  <a:rPr lang="pt-BR" dirty="0"/>
+                  <a:t>No componente </a:t>
+                </a:r>
+                <a:r>
+                  <a:rPr lang="pt-BR" dirty="0" err="1">
+                    <a:highlight>
+                      <a:srgbClr val="FFFF00"/>
+                    </a:highlight>
+                  </a:rPr>
+                  <a:t>App.jsx</a:t>
+                </a:r>
+                <a:r>
+                  <a:rPr lang="pt-BR" dirty="0"/>
+                  <a:t>, faça o </a:t>
+                </a:r>
+                <a:r>
+                  <a:rPr lang="pt-BR" i="1" dirty="0" err="1"/>
+                  <a:t>import</a:t>
+                </a:r>
+                <a:r>
+                  <a:rPr lang="pt-BR" dirty="0"/>
+                  <a:t> do </a:t>
+                </a:r>
+                <a:r>
+                  <a:rPr lang="pt-BR" dirty="0">
+                    <a:solidFill>
+                      <a:srgbClr val="FF0000"/>
+                    </a:solidFill>
+                  </a:rPr>
+                  <a:t>Exercício10</a:t>
+                </a:r>
+                <a:r>
+                  <a:rPr lang="pt-BR" dirty="0"/>
+                  <a:t> e passe valores de teste.</a:t>
+                </a:r>
+              </a:p>
+            </p:txBody>
+          </p:sp>
+        </mc:Choice>
+        <mc:Fallback>
+          <p:sp>
+            <p:nvSpPr>
+              <p:cNvPr id="5" name="Espaço Reservado para Conteúdo 4">
+                <a:extLst>
+                  <a:ext uri="{FF2B5EF4-FFF2-40B4-BE49-F238E27FC236}">
+                    <a16:creationId xmlns:a16="http://schemas.microsoft.com/office/drawing/2014/main" id="{3F7611FA-6224-4EC7-8ACF-FBCA3273285B}"/>
+                  </a:ext>
+                </a:extLst>
+              </p:cNvPr>
+              <p:cNvSpPr>
+                <a:spLocks noGrp="1" noRot="1" noChangeAspect="1" noMove="1" noResize="1" noEditPoints="1" noAdjustHandles="1" noChangeArrowheads="1" noChangeShapeType="1" noTextEdit="1"/>
+              </p:cNvSpPr>
+              <p:nvPr>
+                <p:ph idx="1"/>
+              </p:nvPr>
+            </p:nvSpPr>
+            <p:spPr>
+              <a:xfrm>
+                <a:off x="838199" y="1825625"/>
+                <a:ext cx="11108267" cy="4947708"/>
+              </a:xfrm>
+              <a:blipFill>
+                <a:blip r:embed="rId2"/>
+                <a:stretch>
+                  <a:fillRect l="-823" t="-1847" r="-219"/>
+                </a:stretch>
+              </a:blipFill>
+            </p:spPr>
+            <p:txBody>
+              <a:bodyPr/>
+              <a:lstStyle/>
+              <a:p>
+                <a:r>
+                  <a:rPr lang="pt-BR">
+                    <a:noFill/>
+                  </a:rPr>
+                  <a:t> </a:t>
+                </a:r>
+              </a:p>
+            </p:txBody>
+          </p:sp>
+        </mc:Fallback>
+      </mc:AlternateContent>
+      <p:sp>
+        <p:nvSpPr>
+          <p:cNvPr id="9" name="Título 8">
+            <a:extLst>
+              <a:ext uri="{FF2B5EF4-FFF2-40B4-BE49-F238E27FC236}">
+                <a16:creationId xmlns:a16="http://schemas.microsoft.com/office/drawing/2014/main" id="{978EBA90-3436-4212-BC97-A9F7CFEED890}"/>
+              </a:ext>
+            </a:extLst>
+          </p:cNvPr>
+          <p:cNvSpPr>
+            <a:spLocks noGrp="1"/>
+          </p:cNvSpPr>
+          <p:nvPr>
+            <p:ph type="title"/>
+          </p:nvPr>
+        </p:nvSpPr>
+        <p:spPr/>
+        <p:txBody>
+          <a:bodyPr/>
+          <a:lstStyle/>
+          <a:p>
+            <a:r>
+              <a:rPr lang="pt-BR" dirty="0"/>
+              <a:t>Exercício 10</a:t>
+            </a:r>
+          </a:p>
+        </p:txBody>
+      </p:sp>
+      <p:sp>
+        <p:nvSpPr>
+          <p:cNvPr id="23" name="Retângulo: Cantos Arredondados 22">
+            <a:extLst>
+              <a:ext uri="{FF2B5EF4-FFF2-40B4-BE49-F238E27FC236}">
+                <a16:creationId xmlns:a16="http://schemas.microsoft.com/office/drawing/2014/main" id="{E9CB6D08-B9A5-48B0-94D6-D4DA0CE1C9A5}"/>
+              </a:ext>
+            </a:extLst>
+          </p:cNvPr>
+          <p:cNvSpPr/>
+          <p:nvPr/>
+        </p:nvSpPr>
+        <p:spPr>
+          <a:xfrm>
+            <a:off x="4445001" y="287868"/>
+            <a:ext cx="4013200" cy="1067652"/>
+          </a:xfrm>
+          <a:prstGeom prst="roundRect">
+            <a:avLst/>
+          </a:prstGeom>
+        </p:spPr>
+        <p:style>
+          <a:lnRef idx="1">
+            <a:schemeClr val="accent2"/>
+          </a:lnRef>
+          <a:fillRef idx="2">
+            <a:schemeClr val="accent2"/>
+          </a:fillRef>
+          <a:effectRef idx="1">
+            <a:schemeClr val="accent2"/>
+          </a:effectRef>
+          <a:fontRef idx="minor">
+            <a:schemeClr val="dk1"/>
+          </a:fontRef>
+        </p:style>
+        <p:txBody>
+          <a:bodyPr rtlCol="0" anchor="ctr"/>
+          <a:lstStyle/>
+          <a:p>
+            <a:pPr algn="ctr"/>
+            <a:r>
+              <a:rPr lang="pt-BR" dirty="0"/>
+              <a:t>Criar um novo </a:t>
+            </a:r>
+            <a:r>
+              <a:rPr lang="pt-BR" i="1" dirty="0"/>
+              <a:t>Projeto </a:t>
+            </a:r>
+            <a:r>
+              <a:rPr lang="pt-BR" i="1" dirty="0" err="1"/>
+              <a:t>React</a:t>
+            </a:r>
+            <a:endParaRPr lang="pt-BR" i="1" dirty="0"/>
+          </a:p>
+          <a:p>
+            <a:pPr algn="ctr"/>
+            <a:r>
+              <a:rPr lang="pt-BR" b="1" dirty="0" err="1"/>
+              <a:t>npm</a:t>
+            </a:r>
+            <a:r>
+              <a:rPr lang="pt-BR" b="1" dirty="0"/>
+              <a:t>   </a:t>
+            </a:r>
+            <a:r>
+              <a:rPr lang="pt-BR" b="1" dirty="0" err="1"/>
+              <a:t>create</a:t>
+            </a:r>
+            <a:r>
+              <a:rPr lang="pt-BR" b="1" dirty="0"/>
+              <a:t>   </a:t>
+            </a:r>
+            <a:r>
+              <a:rPr lang="pt-BR" b="1" dirty="0" err="1"/>
+              <a:t>vite@latest</a:t>
+            </a:r>
+            <a:r>
+              <a:rPr lang="pt-BR" b="1" dirty="0"/>
+              <a:t>   exercicio10</a:t>
+            </a:r>
+          </a:p>
+        </p:txBody>
+      </p:sp>
+      <p:pic>
+        <p:nvPicPr>
+          <p:cNvPr id="2" name="Imagem 1">
+            <a:extLst>
+              <a:ext uri="{FF2B5EF4-FFF2-40B4-BE49-F238E27FC236}">
+                <a16:creationId xmlns:a16="http://schemas.microsoft.com/office/drawing/2014/main" id="{60F879C3-7ADA-41C9-A78B-91E81B595A0A}"/>
+              </a:ext>
+            </a:extLst>
+          </p:cNvPr>
+          <p:cNvPicPr>
+            <a:picLocks noChangeAspect="1"/>
+          </p:cNvPicPr>
+          <p:nvPr/>
+        </p:nvPicPr>
+        <p:blipFill>
+          <a:blip r:embed="rId3"/>
+          <a:stretch>
+            <a:fillRect/>
+          </a:stretch>
+        </p:blipFill>
+        <p:spPr>
+          <a:xfrm>
+            <a:off x="1634065" y="3572933"/>
+            <a:ext cx="6732272" cy="1126067"/>
+          </a:xfrm>
+          <a:prstGeom prst="rect">
+            <a:avLst/>
+          </a:prstGeom>
+        </p:spPr>
+      </p:pic>
+    </p:spTree>
+    <p:extLst>
+      <p:ext uri="{BB962C8B-B14F-4D97-AF65-F5344CB8AC3E}">
+        <p14:creationId xmlns:p14="http://schemas.microsoft.com/office/powerpoint/2010/main" val="1633473982"/>
+      </p:ext>
+    </p:extLst>
+  </p:cSld>
+  <p:clrMapOvr>
+    <a:masterClrMapping/>
+  </p:clrMapOvr>
+</p:sld>
+</file>
+
+<file path=ppt/slides/slide4.xml><?xml version="1.0" encoding="utf-8"?>
+<p:sld xmlns:a="http://schemas.openxmlformats.org/drawingml/2006/main" xmlns:r="http://schemas.openxmlformats.org/officeDocument/2006/relationships" xmlns:p="http://schemas.openxmlformats.org/presentationml/2006/main">
+  <p:cSld>
+    <p:spTree>
+      <p:nvGrpSpPr>
+        <p:cNvPr id="1" name=""/>
+        <p:cNvGrpSpPr/>
+        <p:nvPr/>
+      </p:nvGrpSpPr>
+      <p:grpSpPr>
+        <a:xfrm>
+          <a:off x="0" y="0"/>
+          <a:ext cx="0" cy="0"/>
+          <a:chOff x="0" y="0"/>
+          <a:chExt cx="0" cy="0"/>
+        </a:xfrm>
+      </p:grpSpPr>
+      <p:sp>
+        <p:nvSpPr>
+          <p:cNvPr id="5" name="Espaço Reservado para Conteúdo 4">
+            <a:extLst>
+              <a:ext uri="{FF2B5EF4-FFF2-40B4-BE49-F238E27FC236}">
+                <a16:creationId xmlns:a16="http://schemas.microsoft.com/office/drawing/2014/main" id="{3F7611FA-6224-4EC7-8ACF-FBCA3273285B}"/>
+              </a:ext>
+            </a:extLst>
+          </p:cNvPr>
+          <p:cNvSpPr>
+            <a:spLocks noGrp="1"/>
+          </p:cNvSpPr>
+          <p:nvPr>
+            <p:ph idx="1"/>
+          </p:nvPr>
+        </p:nvSpPr>
+        <p:spPr>
+          <a:xfrm>
+            <a:off x="838199" y="1825625"/>
+            <a:ext cx="11108267" cy="4947708"/>
+          </a:xfrm>
+        </p:spPr>
+        <p:txBody>
+          <a:bodyPr>
+            <a:normAutofit/>
+          </a:bodyPr>
+          <a:lstStyle/>
+          <a:p>
+            <a:pPr>
+              <a:lnSpc>
+                <a:spcPct val="100000"/>
+              </a:lnSpc>
+            </a:pPr>
+            <a:r>
+              <a:rPr lang="pt-BR" sz="2000" dirty="0"/>
+              <a:t>O custo de um carro novo ao consumidor é a soma do custo de fábrica com a porcentagem do distribuidor e dos impostos (aplicados ao custo de fábrica).  Supondo que o percentual do distribuidor seja de 28% e os impostos de 45%, faça um Aplicativo para ler o custo de fábrica de um carro, calcular e exibir o custo final ao consumidor.</a:t>
+            </a:r>
+          </a:p>
+          <a:p>
+            <a:r>
+              <a:rPr lang="pt-BR" sz="2000" dirty="0"/>
+              <a:t>Crie um componente chamado </a:t>
+            </a:r>
+            <a:r>
+              <a:rPr lang="pt-BR" sz="2000" dirty="0">
+                <a:solidFill>
+                  <a:srgbClr val="FF0000"/>
+                </a:solidFill>
+              </a:rPr>
+              <a:t>Exercicio11 </a:t>
+            </a:r>
+            <a:r>
+              <a:rPr lang="pt-BR" sz="2000" dirty="0"/>
+              <a:t>no arquivo </a:t>
+            </a:r>
+            <a:r>
+              <a:rPr lang="pt-BR" sz="2000" dirty="0">
+                <a:highlight>
+                  <a:srgbClr val="FFFF00"/>
+                </a:highlight>
+              </a:rPr>
+              <a:t>Exercicio11.jsx</a:t>
+            </a:r>
+            <a:r>
+              <a:rPr lang="pt-BR" sz="2000" dirty="0"/>
+              <a:t>, que irá receber como parâmetros a </a:t>
+            </a:r>
+            <a:r>
+              <a:rPr lang="pt-BR" sz="2000" dirty="0">
+                <a:solidFill>
+                  <a:srgbClr val="FF0000"/>
+                </a:solidFill>
+              </a:rPr>
+              <a:t>custo</a:t>
+            </a:r>
+            <a:r>
+              <a:rPr lang="pt-BR" sz="2000" dirty="0"/>
+              <a:t> do carro:</a:t>
+            </a:r>
+          </a:p>
+          <a:p>
+            <a:pPr marL="0" indent="0">
+              <a:lnSpc>
+                <a:spcPct val="100000"/>
+              </a:lnSpc>
+              <a:buNone/>
+            </a:pPr>
+            <a:endParaRPr lang="pt-BR" dirty="0"/>
+          </a:p>
+          <a:p>
+            <a:pPr>
+              <a:lnSpc>
+                <a:spcPct val="100000"/>
+              </a:lnSpc>
+            </a:pPr>
+            <a:endParaRPr lang="pt-BR" sz="2000" dirty="0"/>
+          </a:p>
+          <a:p>
+            <a:endParaRPr lang="pt-BR" sz="2000" dirty="0"/>
+          </a:p>
+          <a:p>
+            <a:r>
+              <a:rPr lang="pt-BR" sz="2000" dirty="0"/>
+              <a:t>O componente deverá calcular o valor </a:t>
+            </a:r>
+            <a:r>
+              <a:rPr lang="pt-BR" sz="2000" dirty="0" err="1">
+                <a:solidFill>
+                  <a:srgbClr val="FF0000"/>
+                </a:solidFill>
+              </a:rPr>
+              <a:t>custo_distribuidor</a:t>
+            </a:r>
+            <a:r>
+              <a:rPr lang="pt-BR" sz="2000" dirty="0"/>
+              <a:t>, e o valor dos </a:t>
+            </a:r>
+            <a:r>
+              <a:rPr lang="pt-BR" sz="2000" dirty="0">
+                <a:solidFill>
+                  <a:srgbClr val="FF0000"/>
+                </a:solidFill>
+              </a:rPr>
+              <a:t>impostos</a:t>
+            </a:r>
+            <a:r>
+              <a:rPr lang="pt-BR" sz="2000" dirty="0"/>
+              <a:t>. A partir destes valores deverá calcular o </a:t>
+            </a:r>
+            <a:r>
+              <a:rPr lang="pt-BR" sz="2000" dirty="0" err="1">
+                <a:solidFill>
+                  <a:srgbClr val="00B0F0"/>
+                </a:solidFill>
+              </a:rPr>
+              <a:t>custo_final</a:t>
+            </a:r>
+            <a:r>
+              <a:rPr lang="pt-BR" sz="2000" dirty="0">
+                <a:solidFill>
+                  <a:srgbClr val="00B0F0"/>
+                </a:solidFill>
+              </a:rPr>
+              <a:t> </a:t>
+            </a:r>
+            <a:r>
+              <a:rPr lang="pt-BR" sz="2000" dirty="0"/>
+              <a:t>que será a soma do </a:t>
+            </a:r>
+            <a:r>
+              <a:rPr lang="pt-BR" sz="2000" dirty="0">
+                <a:solidFill>
+                  <a:srgbClr val="FF0000"/>
+                </a:solidFill>
+              </a:rPr>
+              <a:t>custo</a:t>
+            </a:r>
+            <a:r>
+              <a:rPr lang="pt-BR" sz="2000" dirty="0"/>
+              <a:t>, com </a:t>
+            </a:r>
+            <a:r>
+              <a:rPr lang="pt-BR" sz="2000" dirty="0" err="1">
+                <a:solidFill>
+                  <a:srgbClr val="FF0000"/>
+                </a:solidFill>
+              </a:rPr>
+              <a:t>custo_distribuidor</a:t>
+            </a:r>
+            <a:r>
+              <a:rPr lang="pt-BR" sz="2000" dirty="0">
+                <a:solidFill>
+                  <a:srgbClr val="FF0000"/>
+                </a:solidFill>
+              </a:rPr>
+              <a:t> </a:t>
+            </a:r>
+            <a:r>
+              <a:rPr lang="pt-BR" sz="2000" dirty="0"/>
+              <a:t>e </a:t>
+            </a:r>
+            <a:r>
+              <a:rPr lang="pt-BR" sz="2000" dirty="0">
+                <a:solidFill>
+                  <a:srgbClr val="FF0000"/>
+                </a:solidFill>
+              </a:rPr>
+              <a:t>impostos</a:t>
+            </a:r>
+            <a:r>
+              <a:rPr lang="pt-BR" sz="2000" dirty="0"/>
+              <a:t>.</a:t>
+            </a:r>
+          </a:p>
+          <a:p>
+            <a:r>
+              <a:rPr lang="pt-BR" sz="2000" dirty="0"/>
+              <a:t>Faça um App para testa-lo.</a:t>
+            </a:r>
+          </a:p>
+          <a:p>
+            <a:endParaRPr lang="pt-BR" sz="2000" dirty="0"/>
+          </a:p>
+        </p:txBody>
+      </p:sp>
+      <p:sp>
+        <p:nvSpPr>
+          <p:cNvPr id="9" name="Título 8">
+            <a:extLst>
+              <a:ext uri="{FF2B5EF4-FFF2-40B4-BE49-F238E27FC236}">
+                <a16:creationId xmlns:a16="http://schemas.microsoft.com/office/drawing/2014/main" id="{978EBA90-3436-4212-BC97-A9F7CFEED890}"/>
+              </a:ext>
+            </a:extLst>
+          </p:cNvPr>
+          <p:cNvSpPr>
+            <a:spLocks noGrp="1"/>
+          </p:cNvSpPr>
+          <p:nvPr>
+            <p:ph type="title"/>
+          </p:nvPr>
+        </p:nvSpPr>
+        <p:spPr/>
+        <p:txBody>
+          <a:bodyPr/>
+          <a:lstStyle/>
+          <a:p>
+            <a:r>
+              <a:rPr lang="pt-BR" dirty="0"/>
+              <a:t>Exercício 11</a:t>
+            </a:r>
+          </a:p>
+        </p:txBody>
+      </p:sp>
+      <p:sp>
+        <p:nvSpPr>
+          <p:cNvPr id="23" name="Retângulo: Cantos Arredondados 22">
+            <a:extLst>
+              <a:ext uri="{FF2B5EF4-FFF2-40B4-BE49-F238E27FC236}">
+                <a16:creationId xmlns:a16="http://schemas.microsoft.com/office/drawing/2014/main" id="{E9CB6D08-B9A5-48B0-94D6-D4DA0CE1C9A5}"/>
+              </a:ext>
+            </a:extLst>
+          </p:cNvPr>
+          <p:cNvSpPr/>
+          <p:nvPr/>
+        </p:nvSpPr>
+        <p:spPr>
+          <a:xfrm>
+            <a:off x="4445001" y="287868"/>
+            <a:ext cx="4013200" cy="1067652"/>
+          </a:xfrm>
+          <a:prstGeom prst="roundRect">
+            <a:avLst/>
+          </a:prstGeom>
+        </p:spPr>
+        <p:style>
+          <a:lnRef idx="1">
+            <a:schemeClr val="accent2"/>
+          </a:lnRef>
+          <a:fillRef idx="2">
+            <a:schemeClr val="accent2"/>
+          </a:fillRef>
+          <a:effectRef idx="1">
+            <a:schemeClr val="accent2"/>
+          </a:effectRef>
+          <a:fontRef idx="minor">
+            <a:schemeClr val="dk1"/>
+          </a:fontRef>
+        </p:style>
+        <p:txBody>
+          <a:bodyPr rtlCol="0" anchor="ctr"/>
+          <a:lstStyle/>
+          <a:p>
+            <a:pPr algn="ctr"/>
+            <a:r>
+              <a:rPr lang="pt-BR" dirty="0"/>
+              <a:t>Criar um novo </a:t>
+            </a:r>
+            <a:r>
+              <a:rPr lang="pt-BR" i="1" dirty="0"/>
+              <a:t>Projeto </a:t>
+            </a:r>
+            <a:r>
+              <a:rPr lang="pt-BR" i="1" dirty="0" err="1"/>
+              <a:t>React</a:t>
+            </a:r>
+            <a:endParaRPr lang="pt-BR" i="1" dirty="0"/>
+          </a:p>
+          <a:p>
+            <a:pPr algn="ctr"/>
+            <a:r>
+              <a:rPr lang="pt-BR" b="1" dirty="0" err="1"/>
+              <a:t>npm</a:t>
+            </a:r>
+            <a:r>
+              <a:rPr lang="pt-BR" b="1" dirty="0"/>
+              <a:t>   </a:t>
+            </a:r>
+            <a:r>
+              <a:rPr lang="pt-BR" b="1" dirty="0" err="1"/>
+              <a:t>create</a:t>
+            </a:r>
+            <a:r>
+              <a:rPr lang="pt-BR" b="1" dirty="0"/>
+              <a:t>   </a:t>
+            </a:r>
+            <a:r>
+              <a:rPr lang="pt-BR" b="1" dirty="0" err="1"/>
+              <a:t>vite@latest</a:t>
+            </a:r>
+            <a:r>
+              <a:rPr lang="pt-BR" b="1" dirty="0"/>
+              <a:t>   exercicio11</a:t>
+            </a:r>
+          </a:p>
+        </p:txBody>
+      </p:sp>
+      <p:pic>
+        <p:nvPicPr>
+          <p:cNvPr id="3" name="Imagem 2">
+            <a:extLst>
+              <a:ext uri="{FF2B5EF4-FFF2-40B4-BE49-F238E27FC236}">
+                <a16:creationId xmlns:a16="http://schemas.microsoft.com/office/drawing/2014/main" id="{95BE5BC6-8055-4FC2-860C-76D922459217}"/>
+              </a:ext>
+            </a:extLst>
+          </p:cNvPr>
+          <p:cNvPicPr>
+            <a:picLocks noChangeAspect="1"/>
+          </p:cNvPicPr>
+          <p:nvPr/>
+        </p:nvPicPr>
+        <p:blipFill>
+          <a:blip r:embed="rId2"/>
+          <a:stretch>
+            <a:fillRect/>
+          </a:stretch>
+        </p:blipFill>
+        <p:spPr>
+          <a:xfrm>
+            <a:off x="1163233" y="3843771"/>
+            <a:ext cx="5135968" cy="1214416"/>
+          </a:xfrm>
+          <a:prstGeom prst="rect">
+            <a:avLst/>
+          </a:prstGeom>
+        </p:spPr>
+      </p:pic>
+    </p:spTree>
+    <p:extLst>
+      <p:ext uri="{BB962C8B-B14F-4D97-AF65-F5344CB8AC3E}">
+        <p14:creationId xmlns:p14="http://schemas.microsoft.com/office/powerpoint/2010/main" val="747533900"/>
       </p:ext>
     </p:extLst>
   </p:cSld>
